--- a/project-presentation-second draft.pptx
+++ b/project-presentation-second draft.pptx
@@ -5,14 +5,15 @@
     <p:sldMasterId id="2147483659" r:id="rId1"/>
   </p:sldMasterIdLst>
   <p:notesMasterIdLst>
-    <p:notesMasterId r:id="rId7"/>
+    <p:notesMasterId r:id="rId8"/>
   </p:notesMasterIdLst>
   <p:sldIdLst>
     <p:sldId id="256" r:id="rId2"/>
     <p:sldId id="258" r:id="rId3"/>
-    <p:sldId id="260" r:id="rId4"/>
-    <p:sldId id="261" r:id="rId5"/>
-    <p:sldId id="262" r:id="rId6"/>
+    <p:sldId id="263" r:id="rId4"/>
+    <p:sldId id="260" r:id="rId5"/>
+    <p:sldId id="261" r:id="rId6"/>
+    <p:sldId id="262" r:id="rId7"/>
   </p:sldIdLst>
   <p:sldSz cx="9144000" cy="5143500" type="screen16x9"/>
   <p:notesSz cx="6858000" cy="9144000"/>
@@ -6241,6 +6242,520 @@
   <p:cSld>
     <p:spTree>
       <p:nvGrpSpPr>
+        <p:cNvPr id="1" name=""/>
+        <p:cNvGrpSpPr/>
+        <p:nvPr/>
+      </p:nvGrpSpPr>
+      <p:grpSpPr>
+        <a:xfrm>
+          <a:off x="0" y="0"/>
+          <a:ext cx="0" cy="0"/>
+          <a:chOff x="0" y="0"/>
+          <a:chExt cx="0" cy="0"/>
+        </a:xfrm>
+      </p:grpSpPr>
+      <p:sp>
+        <p:nvSpPr>
+          <p:cNvPr id="2" name="Title 1">
+            <a:extLst>
+              <a:ext uri="{FF2B5EF4-FFF2-40B4-BE49-F238E27FC236}">
+                <a16:creationId xmlns:a16="http://schemas.microsoft.com/office/drawing/2014/main" id="{18438D94-3B5E-E6CF-E2EA-E13FCA5278D0}"/>
+              </a:ext>
+            </a:extLst>
+          </p:cNvPr>
+          <p:cNvSpPr>
+            <a:spLocks noGrp="1"/>
+          </p:cNvSpPr>
+          <p:nvPr>
+            <p:ph type="title"/>
+          </p:nvPr>
+        </p:nvSpPr>
+        <p:spPr>
+          <a:xfrm>
+            <a:off x="0" y="77194"/>
+            <a:ext cx="8520600" cy="572700"/>
+          </a:xfrm>
+        </p:spPr>
+        <p:txBody>
+          <a:bodyPr/>
+          <a:lstStyle/>
+          <a:p>
+            <a:r>
+              <a:rPr lang="en-US" dirty="0"/>
+              <a:t>Process</a:t>
+            </a:r>
+          </a:p>
+        </p:txBody>
+      </p:sp>
+      <p:sp>
+        <p:nvSpPr>
+          <p:cNvPr id="3" name="Text Placeholder 2">
+            <a:extLst>
+              <a:ext uri="{FF2B5EF4-FFF2-40B4-BE49-F238E27FC236}">
+                <a16:creationId xmlns:a16="http://schemas.microsoft.com/office/drawing/2014/main" id="{898C5109-6E21-D578-1B9F-7AB69188E31F}"/>
+              </a:ext>
+            </a:extLst>
+          </p:cNvPr>
+          <p:cNvSpPr>
+            <a:spLocks noGrp="1"/>
+          </p:cNvSpPr>
+          <p:nvPr>
+            <p:ph type="body" idx="1"/>
+          </p:nvPr>
+        </p:nvSpPr>
+        <p:spPr>
+          <a:xfrm>
+            <a:off x="121577" y="505038"/>
+            <a:ext cx="8520600" cy="4561267"/>
+          </a:xfrm>
+        </p:spPr>
+        <p:txBody>
+          <a:bodyPr/>
+          <a:lstStyle/>
+          <a:p>
+            <a:pPr rtl="0" fontAlgn="base">
+              <a:spcBef>
+                <a:spcPts val="0"/>
+              </a:spcBef>
+              <a:spcAft>
+                <a:spcPts val="0"/>
+              </a:spcAft>
+              <a:buFont typeface="Arial" panose="020B0604020202020204" pitchFamily="34" charset="0"/>
+              <a:buChar char="•"/>
+            </a:pPr>
+            <a:r>
+              <a:rPr lang="en-US" sz="1800" b="0" i="0" u="none" strike="noStrike" dirty="0">
+                <a:solidFill>
+                  <a:srgbClr val="595959"/>
+                </a:solidFill>
+                <a:effectLst/>
+                <a:latin typeface="Arial" panose="020B0604020202020204" pitchFamily="34" charset="0"/>
+              </a:rPr>
+              <a:t>Technologies Used:</a:t>
+            </a:r>
+          </a:p>
+          <a:p>
+            <a:pPr lvl="1" fontAlgn="base">
+              <a:spcBef>
+                <a:spcPts val="0"/>
+              </a:spcBef>
+              <a:buFont typeface="Arial" panose="020B0604020202020204" pitchFamily="34" charset="0"/>
+              <a:buChar char="•"/>
+            </a:pPr>
+            <a:r>
+              <a:rPr lang="en-US" b="0" i="0" u="none" strike="noStrike" dirty="0">
+                <a:solidFill>
+                  <a:srgbClr val="595959"/>
+                </a:solidFill>
+                <a:effectLst/>
+                <a:latin typeface="Arial" panose="020B0604020202020204" pitchFamily="34" charset="0"/>
+              </a:rPr>
+              <a:t>Covid Act Now Web API</a:t>
+            </a:r>
+          </a:p>
+          <a:p>
+            <a:pPr lvl="1" fontAlgn="base">
+              <a:spcBef>
+                <a:spcPts val="0"/>
+              </a:spcBef>
+              <a:buFont typeface="Arial" panose="020B0604020202020204" pitchFamily="34" charset="0"/>
+              <a:buChar char="•"/>
+            </a:pPr>
+            <a:r>
+              <a:rPr lang="en-US" dirty="0">
+                <a:solidFill>
+                  <a:srgbClr val="595959"/>
+                </a:solidFill>
+                <a:latin typeface="Arial" panose="020B0604020202020204" pitchFamily="34" charset="0"/>
+              </a:rPr>
+              <a:t>Kayak Embedded Widget API</a:t>
+            </a:r>
+          </a:p>
+          <a:p>
+            <a:pPr lvl="1" fontAlgn="base">
+              <a:spcBef>
+                <a:spcPts val="0"/>
+              </a:spcBef>
+              <a:buFont typeface="Arial" panose="020B0604020202020204" pitchFamily="34" charset="0"/>
+              <a:buChar char="•"/>
+            </a:pPr>
+            <a:r>
+              <a:rPr lang="en-US" b="0" i="0" u="none" strike="noStrike" dirty="0" err="1">
+                <a:solidFill>
+                  <a:srgbClr val="595959"/>
+                </a:solidFill>
+                <a:effectLst/>
+                <a:latin typeface="Arial" panose="020B0604020202020204" pitchFamily="34" charset="0"/>
+              </a:rPr>
+              <a:t>Javascript</a:t>
+            </a:r>
+            <a:r>
+              <a:rPr lang="en-US" b="0" i="0" u="none" strike="noStrike" dirty="0">
+                <a:solidFill>
+                  <a:srgbClr val="595959"/>
+                </a:solidFill>
+                <a:effectLst/>
+                <a:latin typeface="Arial" panose="020B0604020202020204" pitchFamily="34" charset="0"/>
+              </a:rPr>
+              <a:t>, </a:t>
+            </a:r>
+            <a:r>
+              <a:rPr lang="en-US" b="0" i="0" u="none" strike="noStrike" dirty="0" err="1">
+                <a:solidFill>
+                  <a:srgbClr val="595959"/>
+                </a:solidFill>
+                <a:effectLst/>
+                <a:latin typeface="Arial" panose="020B0604020202020204" pitchFamily="34" charset="0"/>
+              </a:rPr>
+              <a:t>Jquery</a:t>
+            </a:r>
+            <a:endParaRPr lang="en-US" b="0" i="0" u="none" strike="noStrike" dirty="0">
+              <a:solidFill>
+                <a:srgbClr val="595959"/>
+              </a:solidFill>
+              <a:effectLst/>
+              <a:latin typeface="Arial" panose="020B0604020202020204" pitchFamily="34" charset="0"/>
+            </a:endParaRPr>
+          </a:p>
+          <a:p>
+            <a:pPr lvl="1" fontAlgn="base">
+              <a:spcBef>
+                <a:spcPts val="0"/>
+              </a:spcBef>
+              <a:buFont typeface="Arial" panose="020B0604020202020204" pitchFamily="34" charset="0"/>
+              <a:buChar char="•"/>
+            </a:pPr>
+            <a:r>
+              <a:rPr lang="en-US" dirty="0" err="1">
+                <a:solidFill>
+                  <a:srgbClr val="595959"/>
+                </a:solidFill>
+                <a:latin typeface="Arial" panose="020B0604020202020204" pitchFamily="34" charset="0"/>
+              </a:rPr>
+              <a:t>localStorage</a:t>
+            </a:r>
+            <a:endParaRPr lang="en-US" b="0" i="0" u="none" strike="noStrike" dirty="0">
+              <a:solidFill>
+                <a:srgbClr val="595959"/>
+              </a:solidFill>
+              <a:effectLst/>
+              <a:latin typeface="Arial" panose="020B0604020202020204" pitchFamily="34" charset="0"/>
+            </a:endParaRPr>
+          </a:p>
+          <a:p>
+            <a:pPr rtl="0" fontAlgn="base">
+              <a:spcBef>
+                <a:spcPts val="0"/>
+              </a:spcBef>
+              <a:spcAft>
+                <a:spcPts val="0"/>
+              </a:spcAft>
+              <a:buFont typeface="Arial" panose="020B0604020202020204" pitchFamily="34" charset="0"/>
+              <a:buChar char="•"/>
+            </a:pPr>
+            <a:r>
+              <a:rPr lang="en-US" sz="1800" b="0" i="0" u="none" strike="noStrike" dirty="0">
+                <a:solidFill>
+                  <a:srgbClr val="595959"/>
+                </a:solidFill>
+                <a:effectLst/>
+                <a:latin typeface="Arial" panose="020B0604020202020204" pitchFamily="34" charset="0"/>
+              </a:rPr>
+              <a:t>Roles and Tasks:</a:t>
+            </a:r>
+          </a:p>
+          <a:p>
+            <a:pPr lvl="1" fontAlgn="base">
+              <a:spcBef>
+                <a:spcPts val="0"/>
+              </a:spcBef>
+              <a:buFont typeface="Arial" panose="020B0604020202020204" pitchFamily="34" charset="0"/>
+              <a:buChar char="•"/>
+            </a:pPr>
+            <a:r>
+              <a:rPr lang="en-US" b="0" i="0" u="none" strike="noStrike" dirty="0" err="1">
+                <a:solidFill>
+                  <a:srgbClr val="595959"/>
+                </a:solidFill>
+                <a:effectLst/>
+                <a:latin typeface="Arial" panose="020B0604020202020204" pitchFamily="34" charset="0"/>
+              </a:rPr>
+              <a:t>Alexsandra</a:t>
+            </a:r>
+            <a:r>
+              <a:rPr lang="en-US" dirty="0">
+                <a:solidFill>
+                  <a:srgbClr val="595959"/>
+                </a:solidFill>
+                <a:latin typeface="Arial" panose="020B0604020202020204" pitchFamily="34" charset="0"/>
+              </a:rPr>
+              <a:t> </a:t>
+            </a:r>
+            <a:r>
+              <a:rPr lang="en-US" dirty="0" err="1">
+                <a:solidFill>
+                  <a:srgbClr val="595959"/>
+                </a:solidFill>
+                <a:latin typeface="Arial" panose="020B0604020202020204" pitchFamily="34" charset="0"/>
+              </a:rPr>
+              <a:t>Mikhailichenko</a:t>
+            </a:r>
+            <a:r>
+              <a:rPr lang="en-US" dirty="0">
+                <a:solidFill>
+                  <a:srgbClr val="595959"/>
+                </a:solidFill>
+                <a:latin typeface="Arial" panose="020B0604020202020204" pitchFamily="34" charset="0"/>
+              </a:rPr>
+              <a:t>: scripting, </a:t>
+            </a:r>
+            <a:r>
+              <a:rPr lang="en-US" dirty="0" err="1">
+                <a:solidFill>
+                  <a:srgbClr val="595959"/>
+                </a:solidFill>
+                <a:latin typeface="Arial" panose="020B0604020202020204" pitchFamily="34" charset="0"/>
+              </a:rPr>
+              <a:t>localStorage</a:t>
+            </a:r>
+            <a:endParaRPr lang="en-US" dirty="0">
+              <a:solidFill>
+                <a:srgbClr val="595959"/>
+              </a:solidFill>
+              <a:latin typeface="Arial" panose="020B0604020202020204" pitchFamily="34" charset="0"/>
+            </a:endParaRPr>
+          </a:p>
+          <a:p>
+            <a:pPr lvl="1" fontAlgn="base">
+              <a:spcBef>
+                <a:spcPts val="0"/>
+              </a:spcBef>
+              <a:buFont typeface="Arial" panose="020B0604020202020204" pitchFamily="34" charset="0"/>
+              <a:buChar char="•"/>
+            </a:pPr>
+            <a:r>
+              <a:rPr lang="en-US" dirty="0">
+                <a:solidFill>
+                  <a:srgbClr val="595959"/>
+                </a:solidFill>
+                <a:latin typeface="Arial" panose="020B0604020202020204" pitchFamily="34" charset="0"/>
+              </a:rPr>
+              <a:t>Frank Reynolds: styling, landing page, search, embedded widgets</a:t>
+            </a:r>
+          </a:p>
+          <a:p>
+            <a:pPr lvl="1" fontAlgn="base">
+              <a:spcBef>
+                <a:spcPts val="0"/>
+              </a:spcBef>
+              <a:buFont typeface="Arial" panose="020B0604020202020204" pitchFamily="34" charset="0"/>
+              <a:buChar char="•"/>
+            </a:pPr>
+            <a:r>
+              <a:rPr lang="en-US" dirty="0">
+                <a:solidFill>
+                  <a:srgbClr val="595959"/>
+                </a:solidFill>
+                <a:latin typeface="Arial" panose="020B0604020202020204" pitchFamily="34" charset="0"/>
+              </a:rPr>
+              <a:t>Sue Spencer: scripting, search</a:t>
+            </a:r>
+          </a:p>
+          <a:p>
+            <a:pPr rtl="0" fontAlgn="base">
+              <a:spcBef>
+                <a:spcPts val="0"/>
+              </a:spcBef>
+              <a:spcAft>
+                <a:spcPts val="0"/>
+              </a:spcAft>
+              <a:buFont typeface="Arial" panose="020B0604020202020204" pitchFamily="34" charset="0"/>
+              <a:buChar char="•"/>
+            </a:pPr>
+            <a:r>
+              <a:rPr lang="en-US" sz="1800" b="0" i="0" u="none" strike="noStrike" dirty="0">
+                <a:solidFill>
+                  <a:srgbClr val="595959"/>
+                </a:solidFill>
+                <a:effectLst/>
+                <a:latin typeface="Arial" panose="020B0604020202020204" pitchFamily="34" charset="0"/>
+              </a:rPr>
+              <a:t>Challenges:</a:t>
+            </a:r>
+          </a:p>
+          <a:p>
+            <a:pPr lvl="1" fontAlgn="base">
+              <a:spcBef>
+                <a:spcPts val="0"/>
+              </a:spcBef>
+              <a:buFont typeface="Arial" panose="020B0604020202020204" pitchFamily="34" charset="0"/>
+              <a:buChar char="•"/>
+            </a:pPr>
+            <a:r>
+              <a:rPr lang="en-US" b="0" i="0" u="none" strike="noStrike" dirty="0">
+                <a:solidFill>
+                  <a:srgbClr val="595959"/>
+                </a:solidFill>
+                <a:effectLst/>
+                <a:latin typeface="Arial" panose="020B0604020202020204" pitchFamily="34" charset="0"/>
+              </a:rPr>
+              <a:t>Covid data is tracked by counties, but county lookup proved difficult</a:t>
+            </a:r>
+          </a:p>
+          <a:p>
+            <a:pPr lvl="1" fontAlgn="base">
+              <a:spcBef>
+                <a:spcPts val="0"/>
+              </a:spcBef>
+              <a:buFont typeface="Arial" panose="020B0604020202020204" pitchFamily="34" charset="0"/>
+              <a:buChar char="•"/>
+            </a:pPr>
+            <a:r>
+              <a:rPr lang="en-US" b="0" i="0" u="none" strike="noStrike" dirty="0">
+                <a:solidFill>
+                  <a:srgbClr val="595959"/>
+                </a:solidFill>
+                <a:effectLst/>
+                <a:latin typeface="Arial" panose="020B0604020202020204" pitchFamily="34" charset="0"/>
+              </a:rPr>
+              <a:t>Many APIs no longer accept browser-based calls (cross-origin requests)</a:t>
+            </a:r>
+            <a:endParaRPr lang="en-US" dirty="0">
+              <a:solidFill>
+                <a:srgbClr val="595959"/>
+              </a:solidFill>
+              <a:latin typeface="Arial" panose="020B0604020202020204" pitchFamily="34" charset="0"/>
+            </a:endParaRPr>
+          </a:p>
+          <a:p>
+            <a:pPr lvl="1" fontAlgn="base">
+              <a:spcBef>
+                <a:spcPts val="0"/>
+              </a:spcBef>
+              <a:buFont typeface="Arial" panose="020B0604020202020204" pitchFamily="34" charset="0"/>
+              <a:buChar char="•"/>
+            </a:pPr>
+            <a:r>
+              <a:rPr lang="en-US" dirty="0">
+                <a:solidFill>
+                  <a:srgbClr val="595959"/>
+                </a:solidFill>
+                <a:latin typeface="Arial" panose="020B0604020202020204" pitchFamily="34" charset="0"/>
+              </a:rPr>
+              <a:t>Adding multiple items to </a:t>
+            </a:r>
+            <a:r>
+              <a:rPr lang="en-US" dirty="0" err="1">
+                <a:solidFill>
+                  <a:srgbClr val="595959"/>
+                </a:solidFill>
+                <a:latin typeface="Arial" panose="020B0604020202020204" pitchFamily="34" charset="0"/>
+              </a:rPr>
+              <a:t>localStorage</a:t>
+            </a:r>
+            <a:r>
+              <a:rPr lang="en-US" dirty="0">
+                <a:solidFill>
+                  <a:srgbClr val="595959"/>
+                </a:solidFill>
+                <a:latin typeface="Arial" panose="020B0604020202020204" pitchFamily="34" charset="0"/>
+              </a:rPr>
+              <a:t> requires unique keys (we generated strings of index numbers “0”, “1”, “2”.</a:t>
+            </a:r>
+          </a:p>
+          <a:p>
+            <a:pPr lvl="1" fontAlgn="base">
+              <a:spcBef>
+                <a:spcPts val="0"/>
+              </a:spcBef>
+              <a:buFont typeface="Arial" panose="020B0604020202020204" pitchFamily="34" charset="0"/>
+              <a:buChar char="•"/>
+            </a:pPr>
+            <a:r>
+              <a:rPr lang="en-US" dirty="0" err="1">
+                <a:solidFill>
+                  <a:srgbClr val="595959"/>
+                </a:solidFill>
+                <a:latin typeface="Arial" panose="020B0604020202020204" pitchFamily="34" charset="0"/>
+              </a:rPr>
+              <a:t>localStorage</a:t>
+            </a:r>
+            <a:r>
+              <a:rPr lang="en-US" dirty="0">
+                <a:solidFill>
+                  <a:srgbClr val="595959"/>
+                </a:solidFill>
+                <a:latin typeface="Arial" panose="020B0604020202020204" pitchFamily="34" charset="0"/>
+              </a:rPr>
+              <a:t> returns values with quotes included in the string. To preventing duplicates from being written to </a:t>
+            </a:r>
+            <a:r>
+              <a:rPr lang="en-US" dirty="0" err="1">
+                <a:solidFill>
+                  <a:srgbClr val="595959"/>
+                </a:solidFill>
+                <a:latin typeface="Arial" panose="020B0604020202020204" pitchFamily="34" charset="0"/>
+              </a:rPr>
+              <a:t>localStorage</a:t>
+            </a:r>
+            <a:r>
+              <a:rPr lang="en-US" dirty="0">
+                <a:solidFill>
+                  <a:srgbClr val="595959"/>
+                </a:solidFill>
+                <a:latin typeface="Arial" panose="020B0604020202020204" pitchFamily="34" charset="0"/>
+              </a:rPr>
+              <a:t> and to the DOM, we compare city input to </a:t>
+            </a:r>
+            <a:r>
+              <a:rPr lang="en-US" dirty="0" err="1">
+                <a:solidFill>
+                  <a:srgbClr val="595959"/>
+                </a:solidFill>
+                <a:latin typeface="Arial" panose="020B0604020202020204" pitchFamily="34" charset="0"/>
+              </a:rPr>
+              <a:t>localStorage</a:t>
+            </a:r>
+            <a:r>
+              <a:rPr lang="en-US" dirty="0">
+                <a:solidFill>
+                  <a:srgbClr val="595959"/>
+                </a:solidFill>
+                <a:latin typeface="Arial" panose="020B0604020202020204" pitchFamily="34" charset="0"/>
+              </a:rPr>
+              <a:t> values with quotes stripped away</a:t>
+            </a:r>
+            <a:endParaRPr lang="en-US" b="0" i="0" u="none" strike="noStrike" dirty="0">
+              <a:solidFill>
+                <a:srgbClr val="595959"/>
+              </a:solidFill>
+              <a:effectLst/>
+              <a:latin typeface="Arial" panose="020B0604020202020204" pitchFamily="34" charset="0"/>
+            </a:endParaRPr>
+          </a:p>
+          <a:p>
+            <a:endParaRPr lang="en-US" dirty="0"/>
+          </a:p>
+        </p:txBody>
+      </p:sp>
+    </p:spTree>
+    <p:extLst>
+      <p:ext uri="{BB962C8B-B14F-4D97-AF65-F5344CB8AC3E}">
+        <p14:creationId xmlns:p14="http://schemas.microsoft.com/office/powerpoint/2010/main" val="292151898"/>
+      </p:ext>
+    </p:extLst>
+  </p:cSld>
+  <p:clrMapOvr>
+    <a:masterClrMapping/>
+  </p:clrMapOvr>
+</p:sld>
+</file>
+
+<file path=ppt/slides/slide4.xml><?xml version="1.0" encoding="utf-8"?>
+<p:sld xmlns:a="http://schemas.openxmlformats.org/drawingml/2006/main" xmlns:r="http://schemas.openxmlformats.org/officeDocument/2006/relationships" xmlns:p="http://schemas.openxmlformats.org/presentationml/2006/main">
+  <p:cSld>
+    <p:spTree>
+      <p:nvGrpSpPr>
         <p:cNvPr id="1" name="Shape 76"/>
         <p:cNvGrpSpPr/>
         <p:nvPr/>
@@ -6307,7 +6822,7 @@
 </p:sld>
 </file>
 
-<file path=ppt/slides/slide4.xml><?xml version="1.0" encoding="utf-8"?>
+<file path=ppt/slides/slide5.xml><?xml version="1.0" encoding="utf-8"?>
 <p:sld xmlns:a="http://schemas.openxmlformats.org/drawingml/2006/main" xmlns:r="http://schemas.openxmlformats.org/officeDocument/2006/relationships" xmlns:p="http://schemas.openxmlformats.org/presentationml/2006/main">
   <p:cSld>
     <p:spTree>
@@ -6469,7 +6984,7 @@
 </p:sld>
 </file>
 
-<file path=ppt/slides/slide5.xml><?xml version="1.0" encoding="utf-8"?>
+<file path=ppt/slides/slide6.xml><?xml version="1.0" encoding="utf-8"?>
 <p:sld xmlns:a="http://schemas.openxmlformats.org/drawingml/2006/main" xmlns:r="http://schemas.openxmlformats.org/officeDocument/2006/relationships" xmlns:p="http://schemas.openxmlformats.org/presentationml/2006/main">
   <p:cSld>
     <p:spTree>
